--- a/ppt 16-9/0984.十字架道路最.pptx
+++ b/ppt 16-9/0984.十字架道路最.pptx
@@ -129,7 +129,7 @@
           <p:cNvPr id="2" name="标题 1">
             <a:extLst>
               <a:ext uri="{FF2B5EF4-FFF2-40B4-BE49-F238E27FC236}">
-                <a16:creationId xmlns:a16="http://schemas.microsoft.com/office/drawing/2014/main" id="{DEF05D7C-48F6-6EC4-78CC-5A75C072DE22}"/>
+                <a16:creationId xmlns:a16="http://schemas.microsoft.com/office/drawing/2014/main" id="{3315FFFA-00BF-E77F-2D68-21915F20A03B}"/>
               </a:ext>
             </a:extLst>
           </p:cNvPr>
@@ -166,7 +166,7 @@
           <p:cNvPr id="3" name="副标题 2">
             <a:extLst>
               <a:ext uri="{FF2B5EF4-FFF2-40B4-BE49-F238E27FC236}">
-                <a16:creationId xmlns:a16="http://schemas.microsoft.com/office/drawing/2014/main" id="{8C12F25C-7B95-B6F6-146F-E0D68A2C98FF}"/>
+                <a16:creationId xmlns:a16="http://schemas.microsoft.com/office/drawing/2014/main" id="{3CEAD7EE-EF63-4218-D431-FFF2E7FD3F86}"/>
               </a:ext>
             </a:extLst>
           </p:cNvPr>
@@ -236,7 +236,7 @@
           <p:cNvPr id="4" name="日期占位符 3">
             <a:extLst>
               <a:ext uri="{FF2B5EF4-FFF2-40B4-BE49-F238E27FC236}">
-                <a16:creationId xmlns:a16="http://schemas.microsoft.com/office/drawing/2014/main" id="{68CA259A-86E3-61AC-9BE6-31B5739A0E4C}"/>
+                <a16:creationId xmlns:a16="http://schemas.microsoft.com/office/drawing/2014/main" id="{FC1F6B18-0ABF-9A32-8DA5-26D5614D8770}"/>
               </a:ext>
             </a:extLst>
           </p:cNvPr>
@@ -252,7 +252,7 @@
           <a:bodyPr/>
           <a:lstStyle/>
           <a:p>
-            <a:fld id="{2CB7A078-F843-4600-BAA8-376CB0C23883}" type="datetimeFigureOut">
+            <a:fld id="{F4EFF541-3642-4492-87EE-407C1DA95897}" type="datetimeFigureOut">
               <a:rPr lang="zh-CN" altLang="en-US" smtClean="0"/>
               <a:t>2024/3/10</a:t>
             </a:fld>
@@ -265,7 +265,7 @@
           <p:cNvPr id="5" name="页脚占位符 4">
             <a:extLst>
               <a:ext uri="{FF2B5EF4-FFF2-40B4-BE49-F238E27FC236}">
-                <a16:creationId xmlns:a16="http://schemas.microsoft.com/office/drawing/2014/main" id="{C931FA78-DD0B-8F33-1EEF-4C1E700F8808}"/>
+                <a16:creationId xmlns:a16="http://schemas.microsoft.com/office/drawing/2014/main" id="{9450CF0B-82C6-0A4C-11E3-6704009F7A9A}"/>
               </a:ext>
             </a:extLst>
           </p:cNvPr>
@@ -290,7 +290,7 @@
           <p:cNvPr id="6" name="灯片编号占位符 5">
             <a:extLst>
               <a:ext uri="{FF2B5EF4-FFF2-40B4-BE49-F238E27FC236}">
-                <a16:creationId xmlns:a16="http://schemas.microsoft.com/office/drawing/2014/main" id="{E77E4969-EC9D-9993-FA54-77AF30178466}"/>
+                <a16:creationId xmlns:a16="http://schemas.microsoft.com/office/drawing/2014/main" id="{CED6B4DE-5A49-FE90-134D-3A2ADA85FC07}"/>
               </a:ext>
             </a:extLst>
           </p:cNvPr>
@@ -306,7 +306,7 @@
           <a:bodyPr/>
           <a:lstStyle/>
           <a:p>
-            <a:fld id="{35E8BBD2-33E0-4DEC-98F7-677DF8773B05}" type="slidenum">
+            <a:fld id="{D2CB69C2-3A72-4908-AA28-4BBA63931CB4}" type="slidenum">
               <a:rPr lang="zh-CN" altLang="en-US" smtClean="0"/>
               <a:t>‹#›</a:t>
             </a:fld>
@@ -317,7 +317,7 @@
     </p:spTree>
     <p:extLst>
       <p:ext uri="{BB962C8B-B14F-4D97-AF65-F5344CB8AC3E}">
-        <p14:creationId xmlns:p14="http://schemas.microsoft.com/office/powerpoint/2010/main" val="995327660"/>
+        <p14:creationId xmlns:p14="http://schemas.microsoft.com/office/powerpoint/2010/main" val="2379983700"/>
       </p:ext>
     </p:extLst>
   </p:cSld>
@@ -349,7 +349,7 @@
           <p:cNvPr id="2" name="标题 1">
             <a:extLst>
               <a:ext uri="{FF2B5EF4-FFF2-40B4-BE49-F238E27FC236}">
-                <a16:creationId xmlns:a16="http://schemas.microsoft.com/office/drawing/2014/main" id="{26C645D5-2524-D584-E0C2-F3E9AFD2DD82}"/>
+                <a16:creationId xmlns:a16="http://schemas.microsoft.com/office/drawing/2014/main" id="{3F2DBBB0-1BF2-87BC-3FA4-B69B07391F7F}"/>
               </a:ext>
             </a:extLst>
           </p:cNvPr>
@@ -377,7 +377,7 @@
           <p:cNvPr id="3" name="竖排文字占位符 2">
             <a:extLst>
               <a:ext uri="{FF2B5EF4-FFF2-40B4-BE49-F238E27FC236}">
-                <a16:creationId xmlns:a16="http://schemas.microsoft.com/office/drawing/2014/main" id="{C0168BBE-C692-3458-F3F2-C64A7918C9E6}"/>
+                <a16:creationId xmlns:a16="http://schemas.microsoft.com/office/drawing/2014/main" id="{147625B1-B04E-F7BF-CEB3-7000F5571F7B}"/>
               </a:ext>
             </a:extLst>
           </p:cNvPr>
@@ -434,7 +434,7 @@
           <p:cNvPr id="4" name="日期占位符 3">
             <a:extLst>
               <a:ext uri="{FF2B5EF4-FFF2-40B4-BE49-F238E27FC236}">
-                <a16:creationId xmlns:a16="http://schemas.microsoft.com/office/drawing/2014/main" id="{AF764516-03E7-7AC3-4883-44461B6581EC}"/>
+                <a16:creationId xmlns:a16="http://schemas.microsoft.com/office/drawing/2014/main" id="{65EF4A72-D6FE-AF7A-3FE7-673CAC3A3A26}"/>
               </a:ext>
             </a:extLst>
           </p:cNvPr>
@@ -450,7 +450,7 @@
           <a:bodyPr/>
           <a:lstStyle/>
           <a:p>
-            <a:fld id="{2CB7A078-F843-4600-BAA8-376CB0C23883}" type="datetimeFigureOut">
+            <a:fld id="{F4EFF541-3642-4492-87EE-407C1DA95897}" type="datetimeFigureOut">
               <a:rPr lang="zh-CN" altLang="en-US" smtClean="0"/>
               <a:t>2024/3/10</a:t>
             </a:fld>
@@ -463,7 +463,7 @@
           <p:cNvPr id="5" name="页脚占位符 4">
             <a:extLst>
               <a:ext uri="{FF2B5EF4-FFF2-40B4-BE49-F238E27FC236}">
-                <a16:creationId xmlns:a16="http://schemas.microsoft.com/office/drawing/2014/main" id="{4D74431C-04BA-30CE-4F7E-A92A397C316F}"/>
+                <a16:creationId xmlns:a16="http://schemas.microsoft.com/office/drawing/2014/main" id="{B2F50035-9015-91AC-C104-FD98A7A072A4}"/>
               </a:ext>
             </a:extLst>
           </p:cNvPr>
@@ -488,7 +488,7 @@
           <p:cNvPr id="6" name="灯片编号占位符 5">
             <a:extLst>
               <a:ext uri="{FF2B5EF4-FFF2-40B4-BE49-F238E27FC236}">
-                <a16:creationId xmlns:a16="http://schemas.microsoft.com/office/drawing/2014/main" id="{76C1DC00-F368-C651-0FAE-798271DD1D65}"/>
+                <a16:creationId xmlns:a16="http://schemas.microsoft.com/office/drawing/2014/main" id="{38691E1C-41DC-9F72-0DC4-A4A94F69E7D8}"/>
               </a:ext>
             </a:extLst>
           </p:cNvPr>
@@ -504,7 +504,7 @@
           <a:bodyPr/>
           <a:lstStyle/>
           <a:p>
-            <a:fld id="{35E8BBD2-33E0-4DEC-98F7-677DF8773B05}" type="slidenum">
+            <a:fld id="{D2CB69C2-3A72-4908-AA28-4BBA63931CB4}" type="slidenum">
               <a:rPr lang="zh-CN" altLang="en-US" smtClean="0"/>
               <a:t>‹#›</a:t>
             </a:fld>
@@ -515,7 +515,7 @@
     </p:spTree>
     <p:extLst>
       <p:ext uri="{BB962C8B-B14F-4D97-AF65-F5344CB8AC3E}">
-        <p14:creationId xmlns:p14="http://schemas.microsoft.com/office/powerpoint/2010/main" val="1671941078"/>
+        <p14:creationId xmlns:p14="http://schemas.microsoft.com/office/powerpoint/2010/main" val="1626669680"/>
       </p:ext>
     </p:extLst>
   </p:cSld>
@@ -547,7 +547,7 @@
           <p:cNvPr id="2" name="竖排标题 1">
             <a:extLst>
               <a:ext uri="{FF2B5EF4-FFF2-40B4-BE49-F238E27FC236}">
-                <a16:creationId xmlns:a16="http://schemas.microsoft.com/office/drawing/2014/main" id="{BF372C4C-E24E-B734-8569-BCD90A2D2945}"/>
+                <a16:creationId xmlns:a16="http://schemas.microsoft.com/office/drawing/2014/main" id="{D4B73E8A-C24A-E27A-2BF6-59DF33F3FA78}"/>
               </a:ext>
             </a:extLst>
           </p:cNvPr>
@@ -580,7 +580,7 @@
           <p:cNvPr id="3" name="竖排文字占位符 2">
             <a:extLst>
               <a:ext uri="{FF2B5EF4-FFF2-40B4-BE49-F238E27FC236}">
-                <a16:creationId xmlns:a16="http://schemas.microsoft.com/office/drawing/2014/main" id="{53EE7C9D-4B6E-0AEF-3F9A-1BB96BE7467B}"/>
+                <a16:creationId xmlns:a16="http://schemas.microsoft.com/office/drawing/2014/main" id="{F0A82BEC-A564-B4BB-EFB3-2881E599FAA7}"/>
               </a:ext>
             </a:extLst>
           </p:cNvPr>
@@ -642,7 +642,7 @@
           <p:cNvPr id="4" name="日期占位符 3">
             <a:extLst>
               <a:ext uri="{FF2B5EF4-FFF2-40B4-BE49-F238E27FC236}">
-                <a16:creationId xmlns:a16="http://schemas.microsoft.com/office/drawing/2014/main" id="{CE8E9459-6B28-EADF-A21D-3A11119CABD5}"/>
+                <a16:creationId xmlns:a16="http://schemas.microsoft.com/office/drawing/2014/main" id="{B6AE43A2-B962-4675-80AD-FD5DB9645785}"/>
               </a:ext>
             </a:extLst>
           </p:cNvPr>
@@ -658,7 +658,7 @@
           <a:bodyPr/>
           <a:lstStyle/>
           <a:p>
-            <a:fld id="{2CB7A078-F843-4600-BAA8-376CB0C23883}" type="datetimeFigureOut">
+            <a:fld id="{F4EFF541-3642-4492-87EE-407C1DA95897}" type="datetimeFigureOut">
               <a:rPr lang="zh-CN" altLang="en-US" smtClean="0"/>
               <a:t>2024/3/10</a:t>
             </a:fld>
@@ -671,7 +671,7 @@
           <p:cNvPr id="5" name="页脚占位符 4">
             <a:extLst>
               <a:ext uri="{FF2B5EF4-FFF2-40B4-BE49-F238E27FC236}">
-                <a16:creationId xmlns:a16="http://schemas.microsoft.com/office/drawing/2014/main" id="{B18E35DE-6462-2D38-08AA-AC35E1ECA927}"/>
+                <a16:creationId xmlns:a16="http://schemas.microsoft.com/office/drawing/2014/main" id="{5379CBEE-2A92-79C9-5591-82F8E3396654}"/>
               </a:ext>
             </a:extLst>
           </p:cNvPr>
@@ -696,7 +696,7 @@
           <p:cNvPr id="6" name="灯片编号占位符 5">
             <a:extLst>
               <a:ext uri="{FF2B5EF4-FFF2-40B4-BE49-F238E27FC236}">
-                <a16:creationId xmlns:a16="http://schemas.microsoft.com/office/drawing/2014/main" id="{27D55091-8AB8-99BB-CA15-C946DF7BA7AA}"/>
+                <a16:creationId xmlns:a16="http://schemas.microsoft.com/office/drawing/2014/main" id="{85FAC24D-7555-D39B-6563-6CFC866790CB}"/>
               </a:ext>
             </a:extLst>
           </p:cNvPr>
@@ -712,7 +712,7 @@
           <a:bodyPr/>
           <a:lstStyle/>
           <a:p>
-            <a:fld id="{35E8BBD2-33E0-4DEC-98F7-677DF8773B05}" type="slidenum">
+            <a:fld id="{D2CB69C2-3A72-4908-AA28-4BBA63931CB4}" type="slidenum">
               <a:rPr lang="zh-CN" altLang="en-US" smtClean="0"/>
               <a:t>‹#›</a:t>
             </a:fld>
@@ -723,7 +723,7 @@
     </p:spTree>
     <p:extLst>
       <p:ext uri="{BB962C8B-B14F-4D97-AF65-F5344CB8AC3E}">
-        <p14:creationId xmlns:p14="http://schemas.microsoft.com/office/powerpoint/2010/main" val="360656853"/>
+        <p14:creationId xmlns:p14="http://schemas.microsoft.com/office/powerpoint/2010/main" val="60835045"/>
       </p:ext>
     </p:extLst>
   </p:cSld>
@@ -755,7 +755,7 @@
           <p:cNvPr id="2" name="标题 1">
             <a:extLst>
               <a:ext uri="{FF2B5EF4-FFF2-40B4-BE49-F238E27FC236}">
-                <a16:creationId xmlns:a16="http://schemas.microsoft.com/office/drawing/2014/main" id="{8036AAED-0050-805A-1D6C-38A655C4412B}"/>
+                <a16:creationId xmlns:a16="http://schemas.microsoft.com/office/drawing/2014/main" id="{213FCBF2-A278-B1DF-E54E-BF49C79A3EDA}"/>
               </a:ext>
             </a:extLst>
           </p:cNvPr>
@@ -783,7 +783,7 @@
           <p:cNvPr id="3" name="内容占位符 2">
             <a:extLst>
               <a:ext uri="{FF2B5EF4-FFF2-40B4-BE49-F238E27FC236}">
-                <a16:creationId xmlns:a16="http://schemas.microsoft.com/office/drawing/2014/main" id="{2FC510C0-5ED4-4BEE-969C-4DADF166910D}"/>
+                <a16:creationId xmlns:a16="http://schemas.microsoft.com/office/drawing/2014/main" id="{ECCBD396-93DF-6DD0-07A8-1C5F99BC0F61}"/>
               </a:ext>
             </a:extLst>
           </p:cNvPr>
@@ -840,7 +840,7 @@
           <p:cNvPr id="4" name="日期占位符 3">
             <a:extLst>
               <a:ext uri="{FF2B5EF4-FFF2-40B4-BE49-F238E27FC236}">
-                <a16:creationId xmlns:a16="http://schemas.microsoft.com/office/drawing/2014/main" id="{CC808380-1D8D-6E44-6831-A546E1F900B5}"/>
+                <a16:creationId xmlns:a16="http://schemas.microsoft.com/office/drawing/2014/main" id="{7E8D160D-D916-B4B1-206A-50FAF3811F7A}"/>
               </a:ext>
             </a:extLst>
           </p:cNvPr>
@@ -856,7 +856,7 @@
           <a:bodyPr/>
           <a:lstStyle/>
           <a:p>
-            <a:fld id="{2CB7A078-F843-4600-BAA8-376CB0C23883}" type="datetimeFigureOut">
+            <a:fld id="{F4EFF541-3642-4492-87EE-407C1DA95897}" type="datetimeFigureOut">
               <a:rPr lang="zh-CN" altLang="en-US" smtClean="0"/>
               <a:t>2024/3/10</a:t>
             </a:fld>
@@ -869,7 +869,7 @@
           <p:cNvPr id="5" name="页脚占位符 4">
             <a:extLst>
               <a:ext uri="{FF2B5EF4-FFF2-40B4-BE49-F238E27FC236}">
-                <a16:creationId xmlns:a16="http://schemas.microsoft.com/office/drawing/2014/main" id="{FD32C403-E3C4-BBF3-BEC3-CB177DC4C4EA}"/>
+                <a16:creationId xmlns:a16="http://schemas.microsoft.com/office/drawing/2014/main" id="{678C59A4-41E8-7585-19CD-B498DA46BEAA}"/>
               </a:ext>
             </a:extLst>
           </p:cNvPr>
@@ -894,7 +894,7 @@
           <p:cNvPr id="6" name="灯片编号占位符 5">
             <a:extLst>
               <a:ext uri="{FF2B5EF4-FFF2-40B4-BE49-F238E27FC236}">
-                <a16:creationId xmlns:a16="http://schemas.microsoft.com/office/drawing/2014/main" id="{F16B3DB8-6876-12DC-A674-F15CD834B464}"/>
+                <a16:creationId xmlns:a16="http://schemas.microsoft.com/office/drawing/2014/main" id="{C57C3D1C-57B2-5299-72BA-DC0800172B6C}"/>
               </a:ext>
             </a:extLst>
           </p:cNvPr>
@@ -910,7 +910,7 @@
           <a:bodyPr/>
           <a:lstStyle/>
           <a:p>
-            <a:fld id="{35E8BBD2-33E0-4DEC-98F7-677DF8773B05}" type="slidenum">
+            <a:fld id="{D2CB69C2-3A72-4908-AA28-4BBA63931CB4}" type="slidenum">
               <a:rPr lang="zh-CN" altLang="en-US" smtClean="0"/>
               <a:t>‹#›</a:t>
             </a:fld>
@@ -921,7 +921,7 @@
     </p:spTree>
     <p:extLst>
       <p:ext uri="{BB962C8B-B14F-4D97-AF65-F5344CB8AC3E}">
-        <p14:creationId xmlns:p14="http://schemas.microsoft.com/office/powerpoint/2010/main" val="4160075861"/>
+        <p14:creationId xmlns:p14="http://schemas.microsoft.com/office/powerpoint/2010/main" val="1428890862"/>
       </p:ext>
     </p:extLst>
   </p:cSld>
@@ -953,7 +953,7 @@
           <p:cNvPr id="2" name="标题 1">
             <a:extLst>
               <a:ext uri="{FF2B5EF4-FFF2-40B4-BE49-F238E27FC236}">
-                <a16:creationId xmlns:a16="http://schemas.microsoft.com/office/drawing/2014/main" id="{0ADA1C43-A978-A7EB-B04E-4EBB11A84189}"/>
+                <a16:creationId xmlns:a16="http://schemas.microsoft.com/office/drawing/2014/main" id="{06C87D57-71DF-750F-4D61-A15A3347656A}"/>
               </a:ext>
             </a:extLst>
           </p:cNvPr>
@@ -990,7 +990,7 @@
           <p:cNvPr id="3" name="文本占位符 2">
             <a:extLst>
               <a:ext uri="{FF2B5EF4-FFF2-40B4-BE49-F238E27FC236}">
-                <a16:creationId xmlns:a16="http://schemas.microsoft.com/office/drawing/2014/main" id="{5F3EB25A-0B0E-AE55-8F07-27A8AD8CD4C5}"/>
+                <a16:creationId xmlns:a16="http://schemas.microsoft.com/office/drawing/2014/main" id="{BAAEC964-6DDC-330C-B81D-49E46BE845C9}"/>
               </a:ext>
             </a:extLst>
           </p:cNvPr>
@@ -1115,7 +1115,7 @@
           <p:cNvPr id="4" name="日期占位符 3">
             <a:extLst>
               <a:ext uri="{FF2B5EF4-FFF2-40B4-BE49-F238E27FC236}">
-                <a16:creationId xmlns:a16="http://schemas.microsoft.com/office/drawing/2014/main" id="{28564C00-B881-B3C7-CE14-76EFDC63F2E1}"/>
+                <a16:creationId xmlns:a16="http://schemas.microsoft.com/office/drawing/2014/main" id="{32E20E49-97CB-2A48-C6F2-0370519B69B0}"/>
               </a:ext>
             </a:extLst>
           </p:cNvPr>
@@ -1131,7 +1131,7 @@
           <a:bodyPr/>
           <a:lstStyle/>
           <a:p>
-            <a:fld id="{2CB7A078-F843-4600-BAA8-376CB0C23883}" type="datetimeFigureOut">
+            <a:fld id="{F4EFF541-3642-4492-87EE-407C1DA95897}" type="datetimeFigureOut">
               <a:rPr lang="zh-CN" altLang="en-US" smtClean="0"/>
               <a:t>2024/3/10</a:t>
             </a:fld>
@@ -1144,7 +1144,7 @@
           <p:cNvPr id="5" name="页脚占位符 4">
             <a:extLst>
               <a:ext uri="{FF2B5EF4-FFF2-40B4-BE49-F238E27FC236}">
-                <a16:creationId xmlns:a16="http://schemas.microsoft.com/office/drawing/2014/main" id="{B38630E3-7CCE-BBD1-588C-64DFEBDA67D2}"/>
+                <a16:creationId xmlns:a16="http://schemas.microsoft.com/office/drawing/2014/main" id="{306F308C-C844-063E-5FD0-20E73EBF7AC5}"/>
               </a:ext>
             </a:extLst>
           </p:cNvPr>
@@ -1169,7 +1169,7 @@
           <p:cNvPr id="6" name="灯片编号占位符 5">
             <a:extLst>
               <a:ext uri="{FF2B5EF4-FFF2-40B4-BE49-F238E27FC236}">
-                <a16:creationId xmlns:a16="http://schemas.microsoft.com/office/drawing/2014/main" id="{3C14FCBC-B9A7-A35A-7E6C-A25C6D5451F2}"/>
+                <a16:creationId xmlns:a16="http://schemas.microsoft.com/office/drawing/2014/main" id="{06975395-B288-B847-29EE-81CF25F871AF}"/>
               </a:ext>
             </a:extLst>
           </p:cNvPr>
@@ -1185,7 +1185,7 @@
           <a:bodyPr/>
           <a:lstStyle/>
           <a:p>
-            <a:fld id="{35E8BBD2-33E0-4DEC-98F7-677DF8773B05}" type="slidenum">
+            <a:fld id="{D2CB69C2-3A72-4908-AA28-4BBA63931CB4}" type="slidenum">
               <a:rPr lang="zh-CN" altLang="en-US" smtClean="0"/>
               <a:t>‹#›</a:t>
             </a:fld>
@@ -1196,7 +1196,7 @@
     </p:spTree>
     <p:extLst>
       <p:ext uri="{BB962C8B-B14F-4D97-AF65-F5344CB8AC3E}">
-        <p14:creationId xmlns:p14="http://schemas.microsoft.com/office/powerpoint/2010/main" val="989617357"/>
+        <p14:creationId xmlns:p14="http://schemas.microsoft.com/office/powerpoint/2010/main" val="518449496"/>
       </p:ext>
     </p:extLst>
   </p:cSld>
@@ -1228,7 +1228,7 @@
           <p:cNvPr id="2" name="标题 1">
             <a:extLst>
               <a:ext uri="{FF2B5EF4-FFF2-40B4-BE49-F238E27FC236}">
-                <a16:creationId xmlns:a16="http://schemas.microsoft.com/office/drawing/2014/main" id="{5C68DA8D-AFB3-1F2F-A7AC-8A01BA6AA447}"/>
+                <a16:creationId xmlns:a16="http://schemas.microsoft.com/office/drawing/2014/main" id="{69555CBC-5BB3-4611-E6D7-DA0F76DAD60C}"/>
               </a:ext>
             </a:extLst>
           </p:cNvPr>
@@ -1256,7 +1256,7 @@
           <p:cNvPr id="3" name="内容占位符 2">
             <a:extLst>
               <a:ext uri="{FF2B5EF4-FFF2-40B4-BE49-F238E27FC236}">
-                <a16:creationId xmlns:a16="http://schemas.microsoft.com/office/drawing/2014/main" id="{14AA3BE1-A650-ECED-FA20-918FB560DDBE}"/>
+                <a16:creationId xmlns:a16="http://schemas.microsoft.com/office/drawing/2014/main" id="{7D83C946-F052-C39F-B7E6-5A9ED496E70A}"/>
               </a:ext>
             </a:extLst>
           </p:cNvPr>
@@ -1318,7 +1318,7 @@
           <p:cNvPr id="4" name="内容占位符 3">
             <a:extLst>
               <a:ext uri="{FF2B5EF4-FFF2-40B4-BE49-F238E27FC236}">
-                <a16:creationId xmlns:a16="http://schemas.microsoft.com/office/drawing/2014/main" id="{C89FA61B-013E-7CBD-C7D1-E95187AAD356}"/>
+                <a16:creationId xmlns:a16="http://schemas.microsoft.com/office/drawing/2014/main" id="{8CF0D756-0F96-8D98-3BA6-540F2386ECDB}"/>
               </a:ext>
             </a:extLst>
           </p:cNvPr>
@@ -1380,7 +1380,7 @@
           <p:cNvPr id="5" name="日期占位符 4">
             <a:extLst>
               <a:ext uri="{FF2B5EF4-FFF2-40B4-BE49-F238E27FC236}">
-                <a16:creationId xmlns:a16="http://schemas.microsoft.com/office/drawing/2014/main" id="{4BC74474-B41E-6775-0F43-FBB96F235964}"/>
+                <a16:creationId xmlns:a16="http://schemas.microsoft.com/office/drawing/2014/main" id="{0CD2BA18-A523-8AB3-F011-74A073D16C19}"/>
               </a:ext>
             </a:extLst>
           </p:cNvPr>
@@ -1396,7 +1396,7 @@
           <a:bodyPr/>
           <a:lstStyle/>
           <a:p>
-            <a:fld id="{2CB7A078-F843-4600-BAA8-376CB0C23883}" type="datetimeFigureOut">
+            <a:fld id="{F4EFF541-3642-4492-87EE-407C1DA95897}" type="datetimeFigureOut">
               <a:rPr lang="zh-CN" altLang="en-US" smtClean="0"/>
               <a:t>2024/3/10</a:t>
             </a:fld>
@@ -1409,7 +1409,7 @@
           <p:cNvPr id="6" name="页脚占位符 5">
             <a:extLst>
               <a:ext uri="{FF2B5EF4-FFF2-40B4-BE49-F238E27FC236}">
-                <a16:creationId xmlns:a16="http://schemas.microsoft.com/office/drawing/2014/main" id="{6841F9DA-3869-09B3-A67D-3DB2D1BEEF51}"/>
+                <a16:creationId xmlns:a16="http://schemas.microsoft.com/office/drawing/2014/main" id="{1437C731-435E-B091-06FC-9AB79B059A15}"/>
               </a:ext>
             </a:extLst>
           </p:cNvPr>
@@ -1434,7 +1434,7 @@
           <p:cNvPr id="7" name="灯片编号占位符 6">
             <a:extLst>
               <a:ext uri="{FF2B5EF4-FFF2-40B4-BE49-F238E27FC236}">
-                <a16:creationId xmlns:a16="http://schemas.microsoft.com/office/drawing/2014/main" id="{9569D3C2-3AAE-409C-FD89-6CBC838D48C5}"/>
+                <a16:creationId xmlns:a16="http://schemas.microsoft.com/office/drawing/2014/main" id="{B886660D-D162-1F7D-3D1B-20AF38D388A2}"/>
               </a:ext>
             </a:extLst>
           </p:cNvPr>
@@ -1450,7 +1450,7 @@
           <a:bodyPr/>
           <a:lstStyle/>
           <a:p>
-            <a:fld id="{35E8BBD2-33E0-4DEC-98F7-677DF8773B05}" type="slidenum">
+            <a:fld id="{D2CB69C2-3A72-4908-AA28-4BBA63931CB4}" type="slidenum">
               <a:rPr lang="zh-CN" altLang="en-US" smtClean="0"/>
               <a:t>‹#›</a:t>
             </a:fld>
@@ -1461,7 +1461,7 @@
     </p:spTree>
     <p:extLst>
       <p:ext uri="{BB962C8B-B14F-4D97-AF65-F5344CB8AC3E}">
-        <p14:creationId xmlns:p14="http://schemas.microsoft.com/office/powerpoint/2010/main" val="1184684206"/>
+        <p14:creationId xmlns:p14="http://schemas.microsoft.com/office/powerpoint/2010/main" val="1435566037"/>
       </p:ext>
     </p:extLst>
   </p:cSld>
@@ -1493,7 +1493,7 @@
           <p:cNvPr id="2" name="标题 1">
             <a:extLst>
               <a:ext uri="{FF2B5EF4-FFF2-40B4-BE49-F238E27FC236}">
-                <a16:creationId xmlns:a16="http://schemas.microsoft.com/office/drawing/2014/main" id="{58AB2BD5-6FB3-5D5A-19A7-8FB2C83EFFE7}"/>
+                <a16:creationId xmlns:a16="http://schemas.microsoft.com/office/drawing/2014/main" id="{EAF68CE0-19A4-3D24-9057-9C82411E8562}"/>
               </a:ext>
             </a:extLst>
           </p:cNvPr>
@@ -1526,7 +1526,7 @@
           <p:cNvPr id="3" name="文本占位符 2">
             <a:extLst>
               <a:ext uri="{FF2B5EF4-FFF2-40B4-BE49-F238E27FC236}">
-                <a16:creationId xmlns:a16="http://schemas.microsoft.com/office/drawing/2014/main" id="{FBFC8991-D443-DB7A-87A4-5C3CF436CF72}"/>
+                <a16:creationId xmlns:a16="http://schemas.microsoft.com/office/drawing/2014/main" id="{50217523-66B9-F34C-2AD1-50232BE03526}"/>
               </a:ext>
             </a:extLst>
           </p:cNvPr>
@@ -1597,7 +1597,7 @@
           <p:cNvPr id="4" name="内容占位符 3">
             <a:extLst>
               <a:ext uri="{FF2B5EF4-FFF2-40B4-BE49-F238E27FC236}">
-                <a16:creationId xmlns:a16="http://schemas.microsoft.com/office/drawing/2014/main" id="{9025E681-F737-34F8-7473-FE06CA7D4B4D}"/>
+                <a16:creationId xmlns:a16="http://schemas.microsoft.com/office/drawing/2014/main" id="{165D6549-6AFD-199B-AB1F-B4640B90F38A}"/>
               </a:ext>
             </a:extLst>
           </p:cNvPr>
@@ -1659,7 +1659,7 @@
           <p:cNvPr id="5" name="文本占位符 4">
             <a:extLst>
               <a:ext uri="{FF2B5EF4-FFF2-40B4-BE49-F238E27FC236}">
-                <a16:creationId xmlns:a16="http://schemas.microsoft.com/office/drawing/2014/main" id="{2B2B611E-6A85-17E9-7104-1B9F1491D737}"/>
+                <a16:creationId xmlns:a16="http://schemas.microsoft.com/office/drawing/2014/main" id="{1F6B31DC-B802-0B50-8AA5-CA18F694163F}"/>
               </a:ext>
             </a:extLst>
           </p:cNvPr>
@@ -1730,7 +1730,7 @@
           <p:cNvPr id="6" name="内容占位符 5">
             <a:extLst>
               <a:ext uri="{FF2B5EF4-FFF2-40B4-BE49-F238E27FC236}">
-                <a16:creationId xmlns:a16="http://schemas.microsoft.com/office/drawing/2014/main" id="{5A799272-F1E0-1776-1BB6-1639FB1B442C}"/>
+                <a16:creationId xmlns:a16="http://schemas.microsoft.com/office/drawing/2014/main" id="{BD01A0B9-51DA-4E10-15F4-87876768E7AB}"/>
               </a:ext>
             </a:extLst>
           </p:cNvPr>
@@ -1792,7 +1792,7 @@
           <p:cNvPr id="7" name="日期占位符 6">
             <a:extLst>
               <a:ext uri="{FF2B5EF4-FFF2-40B4-BE49-F238E27FC236}">
-                <a16:creationId xmlns:a16="http://schemas.microsoft.com/office/drawing/2014/main" id="{501DCF14-7C51-148A-E18C-315C43F43DEF}"/>
+                <a16:creationId xmlns:a16="http://schemas.microsoft.com/office/drawing/2014/main" id="{C8DB0F16-7694-6DAE-DF59-037C26B85F12}"/>
               </a:ext>
             </a:extLst>
           </p:cNvPr>
@@ -1808,7 +1808,7 @@
           <a:bodyPr/>
           <a:lstStyle/>
           <a:p>
-            <a:fld id="{2CB7A078-F843-4600-BAA8-376CB0C23883}" type="datetimeFigureOut">
+            <a:fld id="{F4EFF541-3642-4492-87EE-407C1DA95897}" type="datetimeFigureOut">
               <a:rPr lang="zh-CN" altLang="en-US" smtClean="0"/>
               <a:t>2024/3/10</a:t>
             </a:fld>
@@ -1821,7 +1821,7 @@
           <p:cNvPr id="8" name="页脚占位符 7">
             <a:extLst>
               <a:ext uri="{FF2B5EF4-FFF2-40B4-BE49-F238E27FC236}">
-                <a16:creationId xmlns:a16="http://schemas.microsoft.com/office/drawing/2014/main" id="{A70E33D7-6ADE-A61F-D880-49C1C37BD20C}"/>
+                <a16:creationId xmlns:a16="http://schemas.microsoft.com/office/drawing/2014/main" id="{383DDE25-1B36-D90A-3FD8-65A2D9F29B9C}"/>
               </a:ext>
             </a:extLst>
           </p:cNvPr>
@@ -1846,7 +1846,7 @@
           <p:cNvPr id="9" name="灯片编号占位符 8">
             <a:extLst>
               <a:ext uri="{FF2B5EF4-FFF2-40B4-BE49-F238E27FC236}">
-                <a16:creationId xmlns:a16="http://schemas.microsoft.com/office/drawing/2014/main" id="{BE88A48E-1ADA-096C-CF09-EDB40F71B905}"/>
+                <a16:creationId xmlns:a16="http://schemas.microsoft.com/office/drawing/2014/main" id="{10E8E0FE-45F6-BD7D-71D7-E781D78F6FEA}"/>
               </a:ext>
             </a:extLst>
           </p:cNvPr>
@@ -1862,7 +1862,7 @@
           <a:bodyPr/>
           <a:lstStyle/>
           <a:p>
-            <a:fld id="{35E8BBD2-33E0-4DEC-98F7-677DF8773B05}" type="slidenum">
+            <a:fld id="{D2CB69C2-3A72-4908-AA28-4BBA63931CB4}" type="slidenum">
               <a:rPr lang="zh-CN" altLang="en-US" smtClean="0"/>
               <a:t>‹#›</a:t>
             </a:fld>
@@ -1873,7 +1873,7 @@
     </p:spTree>
     <p:extLst>
       <p:ext uri="{BB962C8B-B14F-4D97-AF65-F5344CB8AC3E}">
-        <p14:creationId xmlns:p14="http://schemas.microsoft.com/office/powerpoint/2010/main" val="2084921479"/>
+        <p14:creationId xmlns:p14="http://schemas.microsoft.com/office/powerpoint/2010/main" val="767439298"/>
       </p:ext>
     </p:extLst>
   </p:cSld>
@@ -1905,7 +1905,7 @@
           <p:cNvPr id="2" name="标题 1">
             <a:extLst>
               <a:ext uri="{FF2B5EF4-FFF2-40B4-BE49-F238E27FC236}">
-                <a16:creationId xmlns:a16="http://schemas.microsoft.com/office/drawing/2014/main" id="{CE465E11-D58A-C15E-387C-0F951ECD639D}"/>
+                <a16:creationId xmlns:a16="http://schemas.microsoft.com/office/drawing/2014/main" id="{F7A0A2A2-454E-67F3-CF74-952B98823E98}"/>
               </a:ext>
             </a:extLst>
           </p:cNvPr>
@@ -1933,7 +1933,7 @@
           <p:cNvPr id="3" name="日期占位符 2">
             <a:extLst>
               <a:ext uri="{FF2B5EF4-FFF2-40B4-BE49-F238E27FC236}">
-                <a16:creationId xmlns:a16="http://schemas.microsoft.com/office/drawing/2014/main" id="{78EF36BC-D9C2-32D7-1D64-49968C3171AD}"/>
+                <a16:creationId xmlns:a16="http://schemas.microsoft.com/office/drawing/2014/main" id="{6033A644-96BE-DD89-CFCF-55D63293207B}"/>
               </a:ext>
             </a:extLst>
           </p:cNvPr>
@@ -1949,7 +1949,7 @@
           <a:bodyPr/>
           <a:lstStyle/>
           <a:p>
-            <a:fld id="{2CB7A078-F843-4600-BAA8-376CB0C23883}" type="datetimeFigureOut">
+            <a:fld id="{F4EFF541-3642-4492-87EE-407C1DA95897}" type="datetimeFigureOut">
               <a:rPr lang="zh-CN" altLang="en-US" smtClean="0"/>
               <a:t>2024/3/10</a:t>
             </a:fld>
@@ -1962,7 +1962,7 @@
           <p:cNvPr id="4" name="页脚占位符 3">
             <a:extLst>
               <a:ext uri="{FF2B5EF4-FFF2-40B4-BE49-F238E27FC236}">
-                <a16:creationId xmlns:a16="http://schemas.microsoft.com/office/drawing/2014/main" id="{06DA43C7-E664-4DCF-0461-457EF34F25F4}"/>
+                <a16:creationId xmlns:a16="http://schemas.microsoft.com/office/drawing/2014/main" id="{6945636F-0A9B-C2A7-C03E-C082759E28D1}"/>
               </a:ext>
             </a:extLst>
           </p:cNvPr>
@@ -1987,7 +1987,7 @@
           <p:cNvPr id="5" name="灯片编号占位符 4">
             <a:extLst>
               <a:ext uri="{FF2B5EF4-FFF2-40B4-BE49-F238E27FC236}">
-                <a16:creationId xmlns:a16="http://schemas.microsoft.com/office/drawing/2014/main" id="{60E9DA83-F0AE-6F49-9A85-284EFF96997B}"/>
+                <a16:creationId xmlns:a16="http://schemas.microsoft.com/office/drawing/2014/main" id="{0E100805-7080-1BAE-3BEF-75A6BDD6F5F3}"/>
               </a:ext>
             </a:extLst>
           </p:cNvPr>
@@ -2003,7 +2003,7 @@
           <a:bodyPr/>
           <a:lstStyle/>
           <a:p>
-            <a:fld id="{35E8BBD2-33E0-4DEC-98F7-677DF8773B05}" type="slidenum">
+            <a:fld id="{D2CB69C2-3A72-4908-AA28-4BBA63931CB4}" type="slidenum">
               <a:rPr lang="zh-CN" altLang="en-US" smtClean="0"/>
               <a:t>‹#›</a:t>
             </a:fld>
@@ -2014,7 +2014,7 @@
     </p:spTree>
     <p:extLst>
       <p:ext uri="{BB962C8B-B14F-4D97-AF65-F5344CB8AC3E}">
-        <p14:creationId xmlns:p14="http://schemas.microsoft.com/office/powerpoint/2010/main" val="597150311"/>
+        <p14:creationId xmlns:p14="http://schemas.microsoft.com/office/powerpoint/2010/main" val="2198127927"/>
       </p:ext>
     </p:extLst>
   </p:cSld>
@@ -2046,7 +2046,7 @@
           <p:cNvPr id="2" name="日期占位符 1">
             <a:extLst>
               <a:ext uri="{FF2B5EF4-FFF2-40B4-BE49-F238E27FC236}">
-                <a16:creationId xmlns:a16="http://schemas.microsoft.com/office/drawing/2014/main" id="{BAF7E24B-D504-52FD-B4A7-E23E1FB388AD}"/>
+                <a16:creationId xmlns:a16="http://schemas.microsoft.com/office/drawing/2014/main" id="{7E8256D8-CF9F-1E11-A064-708E74452054}"/>
               </a:ext>
             </a:extLst>
           </p:cNvPr>
@@ -2062,7 +2062,7 @@
           <a:bodyPr/>
           <a:lstStyle/>
           <a:p>
-            <a:fld id="{2CB7A078-F843-4600-BAA8-376CB0C23883}" type="datetimeFigureOut">
+            <a:fld id="{F4EFF541-3642-4492-87EE-407C1DA95897}" type="datetimeFigureOut">
               <a:rPr lang="zh-CN" altLang="en-US" smtClean="0"/>
               <a:t>2024/3/10</a:t>
             </a:fld>
@@ -2075,7 +2075,7 @@
           <p:cNvPr id="3" name="页脚占位符 2">
             <a:extLst>
               <a:ext uri="{FF2B5EF4-FFF2-40B4-BE49-F238E27FC236}">
-                <a16:creationId xmlns:a16="http://schemas.microsoft.com/office/drawing/2014/main" id="{59E6EC30-53A2-B700-7CD6-B1816371B83A}"/>
+                <a16:creationId xmlns:a16="http://schemas.microsoft.com/office/drawing/2014/main" id="{C707470A-1D4D-FB20-F44C-DB3336E5449A}"/>
               </a:ext>
             </a:extLst>
           </p:cNvPr>
@@ -2100,7 +2100,7 @@
           <p:cNvPr id="4" name="灯片编号占位符 3">
             <a:extLst>
               <a:ext uri="{FF2B5EF4-FFF2-40B4-BE49-F238E27FC236}">
-                <a16:creationId xmlns:a16="http://schemas.microsoft.com/office/drawing/2014/main" id="{3C8B64BD-56A4-D462-5924-F96CB9997906}"/>
+                <a16:creationId xmlns:a16="http://schemas.microsoft.com/office/drawing/2014/main" id="{193C87DC-0B16-978B-AFFF-D21831379A99}"/>
               </a:ext>
             </a:extLst>
           </p:cNvPr>
@@ -2116,7 +2116,7 @@
           <a:bodyPr/>
           <a:lstStyle/>
           <a:p>
-            <a:fld id="{35E8BBD2-33E0-4DEC-98F7-677DF8773B05}" type="slidenum">
+            <a:fld id="{D2CB69C2-3A72-4908-AA28-4BBA63931CB4}" type="slidenum">
               <a:rPr lang="zh-CN" altLang="en-US" smtClean="0"/>
               <a:t>‹#›</a:t>
             </a:fld>
@@ -2127,7 +2127,7 @@
     </p:spTree>
     <p:extLst>
       <p:ext uri="{BB962C8B-B14F-4D97-AF65-F5344CB8AC3E}">
-        <p14:creationId xmlns:p14="http://schemas.microsoft.com/office/powerpoint/2010/main" val="2419118259"/>
+        <p14:creationId xmlns:p14="http://schemas.microsoft.com/office/powerpoint/2010/main" val="3845023448"/>
       </p:ext>
     </p:extLst>
   </p:cSld>
@@ -2159,7 +2159,7 @@
           <p:cNvPr id="2" name="标题 1">
             <a:extLst>
               <a:ext uri="{FF2B5EF4-FFF2-40B4-BE49-F238E27FC236}">
-                <a16:creationId xmlns:a16="http://schemas.microsoft.com/office/drawing/2014/main" id="{29C94B6C-62D8-C95E-8CAA-408734273FB9}"/>
+                <a16:creationId xmlns:a16="http://schemas.microsoft.com/office/drawing/2014/main" id="{78C75417-6D78-D5C5-E738-07AC4E5FCD27}"/>
               </a:ext>
             </a:extLst>
           </p:cNvPr>
@@ -2196,7 +2196,7 @@
           <p:cNvPr id="3" name="内容占位符 2">
             <a:extLst>
               <a:ext uri="{FF2B5EF4-FFF2-40B4-BE49-F238E27FC236}">
-                <a16:creationId xmlns:a16="http://schemas.microsoft.com/office/drawing/2014/main" id="{D4E8920C-2E13-3E16-31D8-D0A8391A2AB1}"/>
+                <a16:creationId xmlns:a16="http://schemas.microsoft.com/office/drawing/2014/main" id="{EF9DEC81-6514-4FAB-F901-7AFCAD5BA7E9}"/>
               </a:ext>
             </a:extLst>
           </p:cNvPr>
@@ -2286,7 +2286,7 @@
           <p:cNvPr id="4" name="文本占位符 3">
             <a:extLst>
               <a:ext uri="{FF2B5EF4-FFF2-40B4-BE49-F238E27FC236}">
-                <a16:creationId xmlns:a16="http://schemas.microsoft.com/office/drawing/2014/main" id="{6E1306A9-051C-A997-83A8-11E03D29F3CC}"/>
+                <a16:creationId xmlns:a16="http://schemas.microsoft.com/office/drawing/2014/main" id="{8BCD303C-8D39-D812-B102-A9B46B8D83C9}"/>
               </a:ext>
             </a:extLst>
           </p:cNvPr>
@@ -2357,7 +2357,7 @@
           <p:cNvPr id="5" name="日期占位符 4">
             <a:extLst>
               <a:ext uri="{FF2B5EF4-FFF2-40B4-BE49-F238E27FC236}">
-                <a16:creationId xmlns:a16="http://schemas.microsoft.com/office/drawing/2014/main" id="{646859F2-D745-AB5A-F5B2-00CD9E7EE7D8}"/>
+                <a16:creationId xmlns:a16="http://schemas.microsoft.com/office/drawing/2014/main" id="{51720910-B64E-FE40-ED3C-F7A991B36177}"/>
               </a:ext>
             </a:extLst>
           </p:cNvPr>
@@ -2373,7 +2373,7 @@
           <a:bodyPr/>
           <a:lstStyle/>
           <a:p>
-            <a:fld id="{2CB7A078-F843-4600-BAA8-376CB0C23883}" type="datetimeFigureOut">
+            <a:fld id="{F4EFF541-3642-4492-87EE-407C1DA95897}" type="datetimeFigureOut">
               <a:rPr lang="zh-CN" altLang="en-US" smtClean="0"/>
               <a:t>2024/3/10</a:t>
             </a:fld>
@@ -2386,7 +2386,7 @@
           <p:cNvPr id="6" name="页脚占位符 5">
             <a:extLst>
               <a:ext uri="{FF2B5EF4-FFF2-40B4-BE49-F238E27FC236}">
-                <a16:creationId xmlns:a16="http://schemas.microsoft.com/office/drawing/2014/main" id="{8B497714-1834-797D-0694-18067BF59977}"/>
+                <a16:creationId xmlns:a16="http://schemas.microsoft.com/office/drawing/2014/main" id="{953FD916-8445-489A-D24B-747ADF1F8372}"/>
               </a:ext>
             </a:extLst>
           </p:cNvPr>
@@ -2411,7 +2411,7 @@
           <p:cNvPr id="7" name="灯片编号占位符 6">
             <a:extLst>
               <a:ext uri="{FF2B5EF4-FFF2-40B4-BE49-F238E27FC236}">
-                <a16:creationId xmlns:a16="http://schemas.microsoft.com/office/drawing/2014/main" id="{322E601C-8CA1-3C0F-016A-E00E22627EDC}"/>
+                <a16:creationId xmlns:a16="http://schemas.microsoft.com/office/drawing/2014/main" id="{C4C591CA-7829-B6CD-4FB0-088BE4132675}"/>
               </a:ext>
             </a:extLst>
           </p:cNvPr>
@@ -2427,7 +2427,7 @@
           <a:bodyPr/>
           <a:lstStyle/>
           <a:p>
-            <a:fld id="{35E8BBD2-33E0-4DEC-98F7-677DF8773B05}" type="slidenum">
+            <a:fld id="{D2CB69C2-3A72-4908-AA28-4BBA63931CB4}" type="slidenum">
               <a:rPr lang="zh-CN" altLang="en-US" smtClean="0"/>
               <a:t>‹#›</a:t>
             </a:fld>
@@ -2438,7 +2438,7 @@
     </p:spTree>
     <p:extLst>
       <p:ext uri="{BB962C8B-B14F-4D97-AF65-F5344CB8AC3E}">
-        <p14:creationId xmlns:p14="http://schemas.microsoft.com/office/powerpoint/2010/main" val="1571918852"/>
+        <p14:creationId xmlns:p14="http://schemas.microsoft.com/office/powerpoint/2010/main" val="3105407183"/>
       </p:ext>
     </p:extLst>
   </p:cSld>
@@ -2470,7 +2470,7 @@
           <p:cNvPr id="2" name="标题 1">
             <a:extLst>
               <a:ext uri="{FF2B5EF4-FFF2-40B4-BE49-F238E27FC236}">
-                <a16:creationId xmlns:a16="http://schemas.microsoft.com/office/drawing/2014/main" id="{D067D17A-0EA0-1714-8BEB-0B6B7CC86893}"/>
+                <a16:creationId xmlns:a16="http://schemas.microsoft.com/office/drawing/2014/main" id="{5D0DCD6C-FA0B-C711-8DFF-79CC18D1AF36}"/>
               </a:ext>
             </a:extLst>
           </p:cNvPr>
@@ -2507,7 +2507,7 @@
           <p:cNvPr id="3" name="图片占位符 2">
             <a:extLst>
               <a:ext uri="{FF2B5EF4-FFF2-40B4-BE49-F238E27FC236}">
-                <a16:creationId xmlns:a16="http://schemas.microsoft.com/office/drawing/2014/main" id="{6773F03D-C47E-CF0A-029E-3DB2A8B28583}"/>
+                <a16:creationId xmlns:a16="http://schemas.microsoft.com/office/drawing/2014/main" id="{257C9C68-CC07-B22F-F73D-4C7A4E471046}"/>
               </a:ext>
             </a:extLst>
           </p:cNvPr>
@@ -2574,7 +2574,7 @@
           <p:cNvPr id="4" name="文本占位符 3">
             <a:extLst>
               <a:ext uri="{FF2B5EF4-FFF2-40B4-BE49-F238E27FC236}">
-                <a16:creationId xmlns:a16="http://schemas.microsoft.com/office/drawing/2014/main" id="{D3EA68B1-5E4F-D028-945D-4EF7BC685977}"/>
+                <a16:creationId xmlns:a16="http://schemas.microsoft.com/office/drawing/2014/main" id="{29BB758B-78BD-820B-A3C8-D29678E85EEC}"/>
               </a:ext>
             </a:extLst>
           </p:cNvPr>
@@ -2645,7 +2645,7 @@
           <p:cNvPr id="5" name="日期占位符 4">
             <a:extLst>
               <a:ext uri="{FF2B5EF4-FFF2-40B4-BE49-F238E27FC236}">
-                <a16:creationId xmlns:a16="http://schemas.microsoft.com/office/drawing/2014/main" id="{F3541C18-DDBB-C11A-3055-C2FA95D8A4FB}"/>
+                <a16:creationId xmlns:a16="http://schemas.microsoft.com/office/drawing/2014/main" id="{B1D76731-7AF2-C230-D45D-96A46C7FDF70}"/>
               </a:ext>
             </a:extLst>
           </p:cNvPr>
@@ -2661,7 +2661,7 @@
           <a:bodyPr/>
           <a:lstStyle/>
           <a:p>
-            <a:fld id="{2CB7A078-F843-4600-BAA8-376CB0C23883}" type="datetimeFigureOut">
+            <a:fld id="{F4EFF541-3642-4492-87EE-407C1DA95897}" type="datetimeFigureOut">
               <a:rPr lang="zh-CN" altLang="en-US" smtClean="0"/>
               <a:t>2024/3/10</a:t>
             </a:fld>
@@ -2674,7 +2674,7 @@
           <p:cNvPr id="6" name="页脚占位符 5">
             <a:extLst>
               <a:ext uri="{FF2B5EF4-FFF2-40B4-BE49-F238E27FC236}">
-                <a16:creationId xmlns:a16="http://schemas.microsoft.com/office/drawing/2014/main" id="{28CD2E0B-83BB-42C2-9D22-478E3DE7E71E}"/>
+                <a16:creationId xmlns:a16="http://schemas.microsoft.com/office/drawing/2014/main" id="{EA42886C-D15C-883A-3822-4460F22B409E}"/>
               </a:ext>
             </a:extLst>
           </p:cNvPr>
@@ -2699,7 +2699,7 @@
           <p:cNvPr id="7" name="灯片编号占位符 6">
             <a:extLst>
               <a:ext uri="{FF2B5EF4-FFF2-40B4-BE49-F238E27FC236}">
-                <a16:creationId xmlns:a16="http://schemas.microsoft.com/office/drawing/2014/main" id="{4B5DBA88-336A-4876-CA45-B32D7CEA95D8}"/>
+                <a16:creationId xmlns:a16="http://schemas.microsoft.com/office/drawing/2014/main" id="{56EF340A-FDC8-E45F-D085-BA74D3D0DCB9}"/>
               </a:ext>
             </a:extLst>
           </p:cNvPr>
@@ -2715,7 +2715,7 @@
           <a:bodyPr/>
           <a:lstStyle/>
           <a:p>
-            <a:fld id="{35E8BBD2-33E0-4DEC-98F7-677DF8773B05}" type="slidenum">
+            <a:fld id="{D2CB69C2-3A72-4908-AA28-4BBA63931CB4}" type="slidenum">
               <a:rPr lang="zh-CN" altLang="en-US" smtClean="0"/>
               <a:t>‹#›</a:t>
             </a:fld>
@@ -2726,7 +2726,7 @@
     </p:spTree>
     <p:extLst>
       <p:ext uri="{BB962C8B-B14F-4D97-AF65-F5344CB8AC3E}">
-        <p14:creationId xmlns:p14="http://schemas.microsoft.com/office/powerpoint/2010/main" val="4043035563"/>
+        <p14:creationId xmlns:p14="http://schemas.microsoft.com/office/powerpoint/2010/main" val="3975781285"/>
       </p:ext>
     </p:extLst>
   </p:cSld>
@@ -2763,7 +2763,7 @@
           <p:cNvPr id="2" name="标题占位符 1">
             <a:extLst>
               <a:ext uri="{FF2B5EF4-FFF2-40B4-BE49-F238E27FC236}">
-                <a16:creationId xmlns:a16="http://schemas.microsoft.com/office/drawing/2014/main" id="{E271034B-1D82-C8A8-9FC6-4C05F8E4D2C1}"/>
+                <a16:creationId xmlns:a16="http://schemas.microsoft.com/office/drawing/2014/main" id="{C48CD237-6146-9DB0-8E8C-821C746AAF03}"/>
               </a:ext>
             </a:extLst>
           </p:cNvPr>
@@ -2801,7 +2801,7 @@
           <p:cNvPr id="3" name="文本占位符 2">
             <a:extLst>
               <a:ext uri="{FF2B5EF4-FFF2-40B4-BE49-F238E27FC236}">
-                <a16:creationId xmlns:a16="http://schemas.microsoft.com/office/drawing/2014/main" id="{99D277A0-7B04-6DA7-8089-A7652070E8E4}"/>
+                <a16:creationId xmlns:a16="http://schemas.microsoft.com/office/drawing/2014/main" id="{258D86C2-FDFB-0950-1DFE-80A695D8E978}"/>
               </a:ext>
             </a:extLst>
           </p:cNvPr>
@@ -2868,7 +2868,7 @@
           <p:cNvPr id="4" name="日期占位符 3">
             <a:extLst>
               <a:ext uri="{FF2B5EF4-FFF2-40B4-BE49-F238E27FC236}">
-                <a16:creationId xmlns:a16="http://schemas.microsoft.com/office/drawing/2014/main" id="{243009D3-5D37-8495-4D6E-342D30FBA482}"/>
+                <a16:creationId xmlns:a16="http://schemas.microsoft.com/office/drawing/2014/main" id="{DDFF52F4-C402-4676-B660-6F00B23CFF5B}"/>
               </a:ext>
             </a:extLst>
           </p:cNvPr>
@@ -2902,7 +2902,7 @@
             </a:lvl1pPr>
           </a:lstStyle>
           <a:p>
-            <a:fld id="{2CB7A078-F843-4600-BAA8-376CB0C23883}" type="datetimeFigureOut">
+            <a:fld id="{F4EFF541-3642-4492-87EE-407C1DA95897}" type="datetimeFigureOut">
               <a:rPr lang="zh-CN" altLang="en-US" smtClean="0"/>
               <a:t>2024/3/10</a:t>
             </a:fld>
@@ -2915,7 +2915,7 @@
           <p:cNvPr id="5" name="页脚占位符 4">
             <a:extLst>
               <a:ext uri="{FF2B5EF4-FFF2-40B4-BE49-F238E27FC236}">
-                <a16:creationId xmlns:a16="http://schemas.microsoft.com/office/drawing/2014/main" id="{AD5FB8AD-107B-3FC9-A864-60F608C9E333}"/>
+                <a16:creationId xmlns:a16="http://schemas.microsoft.com/office/drawing/2014/main" id="{E291E062-8BB9-653C-B2AC-95F787309634}"/>
               </a:ext>
             </a:extLst>
           </p:cNvPr>
@@ -2958,7 +2958,7 @@
           <p:cNvPr id="6" name="灯片编号占位符 5">
             <a:extLst>
               <a:ext uri="{FF2B5EF4-FFF2-40B4-BE49-F238E27FC236}">
-                <a16:creationId xmlns:a16="http://schemas.microsoft.com/office/drawing/2014/main" id="{21376742-D0A8-0379-98B7-2033D10777C1}"/>
+                <a16:creationId xmlns:a16="http://schemas.microsoft.com/office/drawing/2014/main" id="{8E703BB2-ED23-0AD1-8FEF-62DE092E0FE2}"/>
               </a:ext>
             </a:extLst>
           </p:cNvPr>
@@ -2992,7 +2992,7 @@
             </a:lvl1pPr>
           </a:lstStyle>
           <a:p>
-            <a:fld id="{35E8BBD2-33E0-4DEC-98F7-677DF8773B05}" type="slidenum">
+            <a:fld id="{D2CB69C2-3A72-4908-AA28-4BBA63931CB4}" type="slidenum">
               <a:rPr lang="zh-CN" altLang="en-US" smtClean="0"/>
               <a:t>‹#›</a:t>
             </a:fld>
@@ -3003,7 +3003,7 @@
     </p:spTree>
     <p:extLst>
       <p:ext uri="{BB962C8B-B14F-4D97-AF65-F5344CB8AC3E}">
-        <p14:creationId xmlns:p14="http://schemas.microsoft.com/office/powerpoint/2010/main" val="3722377707"/>
+        <p14:creationId xmlns:p14="http://schemas.microsoft.com/office/powerpoint/2010/main" val="254764142"/>
       </p:ext>
     </p:extLst>
   </p:cSld>
